--- a/Presentation/Announcement.pptx
+++ b/Presentation/Announcement.pptx
@@ -8,11 +8,11 @@
     <p:notesMasterId r:id="rId14"/>
   </p:notesMasterIdLst>
   <p:sldIdLst>
-    <p:sldId id="278" r:id="rId2"/>
-    <p:sldId id="281" r:id="rId3"/>
-    <p:sldId id="286" r:id="rId4"/>
-    <p:sldId id="287" r:id="rId5"/>
-    <p:sldId id="276" r:id="rId6"/>
+    <p:sldId id="276" r:id="rId2"/>
+    <p:sldId id="278" r:id="rId3"/>
+    <p:sldId id="281" r:id="rId4"/>
+    <p:sldId id="286" r:id="rId5"/>
+    <p:sldId id="287" r:id="rId6"/>
     <p:sldId id="285" r:id="rId7"/>
     <p:sldId id="284" r:id="rId8"/>
     <p:sldId id="277" r:id="rId9"/>
@@ -825,11 +825,6 @@
         </p:txBody>
       </p:sp>
     </p:spTree>
-    <p:extLst>
-      <p:ext uri="{BB962C8B-B14F-4D97-AF65-F5344CB8AC3E}">
-        <p14:creationId xmlns:p14="http://schemas.microsoft.com/office/powerpoint/2010/main" val="4097390636"/>
-      </p:ext>
-    </p:extLst>
   </p:cSld>
   <p:clrMapOvr>
     <a:masterClrMapping/>
@@ -1239,6 +1234,109 @@
     </p:spTree>
     <p:extLst>
       <p:ext uri="{BB962C8B-B14F-4D97-AF65-F5344CB8AC3E}">
+        <p14:creationId xmlns:p14="http://schemas.microsoft.com/office/powerpoint/2010/main" val="4097390636"/>
+      </p:ext>
+    </p:extLst>
+  </p:cSld>
+  <p:clrMapOvr>
+    <a:masterClrMapping/>
+  </p:clrMapOvr>
+</p:notes>
+</file>
+
+<file path=ppt/notesSlides/notesSlide3.xml><?xml version="1.0" encoding="utf-8"?>
+<p:notes xmlns:a="http://schemas.openxmlformats.org/drawingml/2006/main" xmlns:r="http://schemas.openxmlformats.org/officeDocument/2006/relationships" xmlns:p="http://schemas.openxmlformats.org/presentationml/2006/main" showMasterSp="0" showMasterPhAnim="0">
+  <p:cSld>
+    <p:spTree>
+      <p:nvGrpSpPr>
+        <p:cNvPr id="1" name="Shape 320"/>
+        <p:cNvGrpSpPr/>
+        <p:nvPr/>
+      </p:nvGrpSpPr>
+      <p:grpSpPr>
+        <a:xfrm>
+          <a:off x="0" y="0"/>
+          <a:ext cx="0" cy="0"/>
+          <a:chOff x="0" y="0"/>
+          <a:chExt cx="0" cy="0"/>
+        </a:xfrm>
+      </p:grpSpPr>
+      <p:sp>
+        <p:nvSpPr>
+          <p:cNvPr id="321" name="Google Shape;321;g8f52c9b70a_3_0:notes"/>
+          <p:cNvSpPr>
+            <a:spLocks noGrp="1" noRot="1" noChangeAspect="1"/>
+          </p:cNvSpPr>
+          <p:nvPr>
+            <p:ph type="sldImg" idx="2"/>
+          </p:nvPr>
+        </p:nvSpPr>
+        <p:spPr>
+          <a:xfrm>
+            <a:off x="406400" y="696913"/>
+            <a:ext cx="6197600" cy="3486150"/>
+          </a:xfrm>
+          <a:custGeom>
+            <a:avLst/>
+            <a:gdLst/>
+            <a:ahLst/>
+            <a:cxnLst/>
+            <a:rect l="l" t="t" r="r" b="b"/>
+            <a:pathLst>
+              <a:path w="120000" h="120000" extrusionOk="0">
+                <a:moveTo>
+                  <a:pt x="0" y="0"/>
+                </a:moveTo>
+                <a:lnTo>
+                  <a:pt x="120000" y="0"/>
+                </a:lnTo>
+                <a:lnTo>
+                  <a:pt x="120000" y="120000"/>
+                </a:lnTo>
+                <a:lnTo>
+                  <a:pt x="0" y="120000"/>
+                </a:lnTo>
+                <a:close/>
+              </a:path>
+            </a:pathLst>
+          </a:custGeom>
+        </p:spPr>
+      </p:sp>
+      <p:sp>
+        <p:nvSpPr>
+          <p:cNvPr id="322" name="Google Shape;322;g8f52c9b70a_3_0:notes"/>
+          <p:cNvSpPr txBox="1">
+            <a:spLocks noGrp="1"/>
+          </p:cNvSpPr>
+          <p:nvPr>
+            <p:ph type="body" idx="1"/>
+          </p:nvPr>
+        </p:nvSpPr>
+        <p:spPr>
+          <a:xfrm>
+            <a:off x="701040" y="4415790"/>
+            <a:ext cx="5608320" cy="4183380"/>
+          </a:xfrm>
+          <a:prstGeom prst="rect">
+            <a:avLst/>
+          </a:prstGeom>
+        </p:spPr>
+        <p:txBody>
+          <a:bodyPr spcFirstLastPara="1" wrap="square" lIns="93162" tIns="93162" rIns="93162" bIns="93162" anchor="t" anchorCtr="0">
+            <a:noAutofit/>
+          </a:bodyPr>
+          <a:lstStyle/>
+          <a:p>
+            <a:pPr marL="0" indent="0">
+              <a:buNone/>
+            </a:pPr>
+            <a:endParaRPr/>
+          </a:p>
+        </p:txBody>
+      </p:sp>
+    </p:spTree>
+    <p:extLst>
+      <p:ext uri="{BB962C8B-B14F-4D97-AF65-F5344CB8AC3E}">
         <p14:creationId xmlns:p14="http://schemas.microsoft.com/office/powerpoint/2010/main" val="2158134825"/>
       </p:ext>
     </p:extLst>
@@ -1249,7 +1347,7 @@
 </p:notes>
 </file>
 
-<file path=ppt/notesSlides/notesSlide3.xml><?xml version="1.0" encoding="utf-8"?>
+<file path=ppt/notesSlides/notesSlide4.xml><?xml version="1.0" encoding="utf-8"?>
 <p:notes xmlns:a="http://schemas.openxmlformats.org/drawingml/2006/main" xmlns:r="http://schemas.openxmlformats.org/officeDocument/2006/relationships" xmlns:p="http://schemas.openxmlformats.org/presentationml/2006/main" showMasterSp="0" showMasterPhAnim="0">
   <p:cSld>
     <p:spTree>
@@ -1370,7 +1468,7 @@
 </p:notes>
 </file>
 
-<file path=ppt/notesSlides/notesSlide4.xml><?xml version="1.0" encoding="utf-8"?>
+<file path=ppt/notesSlides/notesSlide5.xml><?xml version="1.0" encoding="utf-8"?>
 <p:notes xmlns:a="http://schemas.openxmlformats.org/drawingml/2006/main" xmlns:r="http://schemas.openxmlformats.org/officeDocument/2006/relationships" xmlns:p="http://schemas.openxmlformats.org/presentationml/2006/main" showMasterSp="0" showMasterPhAnim="0">
   <p:cSld>
     <p:spTree>
@@ -1484,104 +1582,6 @@
         <p14:creationId xmlns:p14="http://schemas.microsoft.com/office/powerpoint/2010/main" val="1738943008"/>
       </p:ext>
     </p:extLst>
-  </p:cSld>
-  <p:clrMapOvr>
-    <a:masterClrMapping/>
-  </p:clrMapOvr>
-</p:notes>
-</file>
-
-<file path=ppt/notesSlides/notesSlide5.xml><?xml version="1.0" encoding="utf-8"?>
-<p:notes xmlns:a="http://schemas.openxmlformats.org/drawingml/2006/main" xmlns:r="http://schemas.openxmlformats.org/officeDocument/2006/relationships" xmlns:p="http://schemas.openxmlformats.org/presentationml/2006/main" showMasterSp="0" showMasterPhAnim="0">
-  <p:cSld>
-    <p:spTree>
-      <p:nvGrpSpPr>
-        <p:cNvPr id="1" name="Shape 320"/>
-        <p:cNvGrpSpPr/>
-        <p:nvPr/>
-      </p:nvGrpSpPr>
-      <p:grpSpPr>
-        <a:xfrm>
-          <a:off x="0" y="0"/>
-          <a:ext cx="0" cy="0"/>
-          <a:chOff x="0" y="0"/>
-          <a:chExt cx="0" cy="0"/>
-        </a:xfrm>
-      </p:grpSpPr>
-      <p:sp>
-        <p:nvSpPr>
-          <p:cNvPr id="321" name="Google Shape;321;g8f52c9b70a_3_0:notes"/>
-          <p:cNvSpPr>
-            <a:spLocks noGrp="1" noRot="1" noChangeAspect="1"/>
-          </p:cNvSpPr>
-          <p:nvPr>
-            <p:ph type="sldImg" idx="2"/>
-          </p:nvPr>
-        </p:nvSpPr>
-        <p:spPr>
-          <a:xfrm>
-            <a:off x="406400" y="696913"/>
-            <a:ext cx="6197600" cy="3486150"/>
-          </a:xfrm>
-          <a:custGeom>
-            <a:avLst/>
-            <a:gdLst/>
-            <a:ahLst/>
-            <a:cxnLst/>
-            <a:rect l="l" t="t" r="r" b="b"/>
-            <a:pathLst>
-              <a:path w="120000" h="120000" extrusionOk="0">
-                <a:moveTo>
-                  <a:pt x="0" y="0"/>
-                </a:moveTo>
-                <a:lnTo>
-                  <a:pt x="120000" y="0"/>
-                </a:lnTo>
-                <a:lnTo>
-                  <a:pt x="120000" y="120000"/>
-                </a:lnTo>
-                <a:lnTo>
-                  <a:pt x="0" y="120000"/>
-                </a:lnTo>
-                <a:close/>
-              </a:path>
-            </a:pathLst>
-          </a:custGeom>
-        </p:spPr>
-      </p:sp>
-      <p:sp>
-        <p:nvSpPr>
-          <p:cNvPr id="322" name="Google Shape;322;g8f52c9b70a_3_0:notes"/>
-          <p:cNvSpPr txBox="1">
-            <a:spLocks noGrp="1"/>
-          </p:cNvSpPr>
-          <p:nvPr>
-            <p:ph type="body" idx="1"/>
-          </p:nvPr>
-        </p:nvSpPr>
-        <p:spPr>
-          <a:xfrm>
-            <a:off x="701040" y="4415790"/>
-            <a:ext cx="5608320" cy="4183380"/>
-          </a:xfrm>
-          <a:prstGeom prst="rect">
-            <a:avLst/>
-          </a:prstGeom>
-        </p:spPr>
-        <p:txBody>
-          <a:bodyPr spcFirstLastPara="1" wrap="square" lIns="93162" tIns="93162" rIns="93162" bIns="93162" anchor="t" anchorCtr="0">
-            <a:noAutofit/>
-          </a:bodyPr>
-          <a:lstStyle/>
-          <a:p>
-            <a:pPr marL="0" indent="0">
-              <a:buNone/>
-            </a:pPr>
-            <a:endParaRPr/>
-          </a:p>
-        </p:txBody>
-      </p:sp>
-    </p:spTree>
   </p:cSld>
   <p:clrMapOvr>
     <a:masterClrMapping/>
@@ -6553,6 +6553,1043 @@
         </p:nvSpPr>
         <p:spPr>
           <a:xfrm>
+            <a:off x="305858" y="273819"/>
+            <a:ext cx="8520600" cy="623700"/>
+          </a:xfrm>
+          <a:prstGeom prst="rect">
+            <a:avLst/>
+          </a:prstGeom>
+        </p:spPr>
+        <p:txBody>
+          <a:bodyPr spcFirstLastPara="1" wrap="square" lIns="91425" tIns="91425" rIns="91425" bIns="91425" anchor="t" anchorCtr="0">
+            <a:noAutofit/>
+          </a:bodyPr>
+          <a:lstStyle/>
+          <a:p>
+            <a:pPr marL="0" lvl="0" indent="0" algn="ctr" rtl="0">
+              <a:spcBef>
+                <a:spcPts val="0"/>
+              </a:spcBef>
+              <a:spcAft>
+                <a:spcPts val="0"/>
+              </a:spcAft>
+              <a:buNone/>
+            </a:pPr>
+            <a:r>
+              <a:rPr lang="en-US" dirty="0"/>
+              <a:t>GCIS – Software Development and Problem Solving</a:t>
+            </a:r>
+            <a:endParaRPr dirty="0"/>
+          </a:p>
+        </p:txBody>
+      </p:sp>
+      <p:sp>
+        <p:nvSpPr>
+          <p:cNvPr id="325" name="Google Shape;325;p47"/>
+          <p:cNvSpPr txBox="1">
+            <a:spLocks noGrp="1"/>
+          </p:cNvSpPr>
+          <p:nvPr>
+            <p:ph type="body" idx="1"/>
+          </p:nvPr>
+        </p:nvSpPr>
+        <p:spPr>
+          <a:xfrm>
+            <a:off x="-5842" y="1721147"/>
+            <a:ext cx="9149842" cy="1226403"/>
+          </a:xfrm>
+          <a:prstGeom prst="rect">
+            <a:avLst/>
+          </a:prstGeom>
+        </p:spPr>
+        <p:txBody>
+          <a:bodyPr spcFirstLastPara="1" wrap="square" lIns="91425" tIns="91425" rIns="91425" bIns="91425" anchor="ctr" anchorCtr="0">
+            <a:noAutofit/>
+          </a:bodyPr>
+          <a:lstStyle/>
+          <a:p>
+            <a:pPr marL="146050" indent="0" algn="ctr">
+              <a:buNone/>
+            </a:pPr>
+            <a:r>
+              <a:rPr lang="en-US" sz="2400" dirty="0"/>
+              <a:t>Take </a:t>
+            </a:r>
+            <a:r>
+              <a:rPr lang="pl-PL" sz="2400" dirty="0"/>
+              <a:t>Quiz </a:t>
+            </a:r>
+            <a:r>
+              <a:rPr lang="en-US" sz="2400" dirty="0"/>
+              <a:t>1</a:t>
+            </a:r>
+            <a:r>
+              <a:rPr lang="pl-PL" sz="2400" dirty="0"/>
+              <a:t>.</a:t>
+            </a:r>
+            <a:r>
+              <a:rPr lang="en-US" sz="2400" dirty="0"/>
+              <a:t>1</a:t>
+            </a:r>
+            <a:r>
+              <a:rPr lang="pl-PL" sz="2400" dirty="0"/>
+              <a:t>: </a:t>
+            </a:r>
+            <a:r>
+              <a:rPr lang="en-US" sz="2400" dirty="0"/>
+              <a:t>Procedural Programming</a:t>
+            </a:r>
+          </a:p>
+          <a:p>
+            <a:pPr algn="ctr"/>
+            <a:r>
+              <a:rPr lang="en-US" sz="3200" dirty="0">
+                <a:solidFill>
+                  <a:schemeClr val="tx1"/>
+                </a:solidFill>
+              </a:rPr>
+              <a:t>Password - </a:t>
+            </a:r>
+            <a:r>
+              <a:rPr lang="en-US" sz="3200" dirty="0" err="1">
+                <a:solidFill>
+                  <a:schemeClr val="tx1"/>
+                </a:solidFill>
+              </a:rPr>
+              <a:t>proceduralJava</a:t>
+            </a:r>
+            <a:endParaRPr sz="3200" dirty="0">
+              <a:solidFill>
+                <a:schemeClr val="tx1"/>
+              </a:solidFill>
+            </a:endParaRPr>
+          </a:p>
+        </p:txBody>
+      </p:sp>
+      <p:sp>
+        <p:nvSpPr>
+          <p:cNvPr id="326" name="Google Shape;326;p47"/>
+          <p:cNvSpPr txBox="1">
+            <a:spLocks noGrp="1"/>
+          </p:cNvSpPr>
+          <p:nvPr>
+            <p:ph type="sldNum" idx="12"/>
+          </p:nvPr>
+        </p:nvSpPr>
+        <p:spPr>
+          <a:xfrm>
+            <a:off x="8472458" y="4663217"/>
+            <a:ext cx="548700" cy="393600"/>
+          </a:xfrm>
+          <a:prstGeom prst="rect">
+            <a:avLst/>
+          </a:prstGeom>
+        </p:spPr>
+        <p:txBody>
+          <a:bodyPr spcFirstLastPara="1" wrap="square" lIns="91425" tIns="91425" rIns="91425" bIns="91425" anchor="ctr" anchorCtr="0">
+            <a:noAutofit/>
+          </a:bodyPr>
+          <a:lstStyle/>
+          <a:p>
+            <a:pPr marL="0" lvl="0" indent="0" algn="r" rtl="0">
+              <a:spcBef>
+                <a:spcPts val="0"/>
+              </a:spcBef>
+              <a:spcAft>
+                <a:spcPts val="0"/>
+              </a:spcAft>
+              <a:buNone/>
+            </a:pPr>
+            <a:fld id="{00000000-1234-1234-1234-123412341234}" type="slidenum">
+              <a:rPr lang="en"/>
+              <a:t>1</a:t>
+            </a:fld>
+            <a:endParaRPr/>
+          </a:p>
+        </p:txBody>
+      </p:sp>
+      <p:sp>
+        <p:nvSpPr>
+          <p:cNvPr id="2" name="TextBox 1">
+            <a:extLst>
+              <a:ext uri="{FF2B5EF4-FFF2-40B4-BE49-F238E27FC236}">
+                <a16:creationId xmlns:a16="http://schemas.microsoft.com/office/drawing/2014/main" id="{DCC33EBB-1C9D-B9A9-88E6-F3466077417F}"/>
+              </a:ext>
+            </a:extLst>
+          </p:cNvPr>
+          <p:cNvSpPr txBox="1"/>
+          <p:nvPr/>
+        </p:nvSpPr>
+        <p:spPr>
+          <a:xfrm>
+            <a:off x="0" y="1277369"/>
+            <a:ext cx="9144000" cy="307777"/>
+          </a:xfrm>
+          <a:prstGeom prst="rect">
+            <a:avLst/>
+          </a:prstGeom>
+          <a:solidFill>
+            <a:srgbClr val="FFC000"/>
+          </a:solidFill>
+        </p:spPr>
+        <p:txBody>
+          <a:bodyPr wrap="square" rtlCol="0">
+            <a:spAutoFit/>
+          </a:bodyPr>
+          <a:lstStyle/>
+          <a:p>
+            <a:r>
+              <a:rPr lang="en-US" dirty="0"/>
+              <a:t>Quiz</a:t>
+            </a:r>
+          </a:p>
+        </p:txBody>
+      </p:sp>
+      <p:sp>
+        <p:nvSpPr>
+          <p:cNvPr id="3" name="TextBox 2">
+            <a:extLst>
+              <a:ext uri="{FF2B5EF4-FFF2-40B4-BE49-F238E27FC236}">
+                <a16:creationId xmlns:a16="http://schemas.microsoft.com/office/drawing/2014/main" id="{64C19922-6A1B-1404-5104-DC43E4C67861}"/>
+              </a:ext>
+            </a:extLst>
+          </p:cNvPr>
+          <p:cNvSpPr txBox="1"/>
+          <p:nvPr/>
+        </p:nvSpPr>
+        <p:spPr>
+          <a:xfrm>
+            <a:off x="-5842" y="3031063"/>
+            <a:ext cx="9144000" cy="307777"/>
+          </a:xfrm>
+          <a:prstGeom prst="rect">
+            <a:avLst/>
+          </a:prstGeom>
+          <a:solidFill>
+            <a:srgbClr val="FFC000"/>
+          </a:solidFill>
+        </p:spPr>
+        <p:txBody>
+          <a:bodyPr wrap="square" rtlCol="0">
+            <a:spAutoFit/>
+          </a:bodyPr>
+          <a:lstStyle/>
+          <a:p>
+            <a:r>
+              <a:rPr lang="en-US" dirty="0"/>
+              <a:t>Next </a:t>
+            </a:r>
+            <a:r>
+              <a:rPr lang="en-US" dirty="0">
+                <a:sym typeface="Wingdings" panose="05000000000000000000" pitchFamily="2" charset="2"/>
+              </a:rPr>
+              <a:t> </a:t>
+            </a:r>
+            <a:endParaRPr lang="en-US" dirty="0"/>
+          </a:p>
+        </p:txBody>
+      </p:sp>
+      <p:sp>
+        <p:nvSpPr>
+          <p:cNvPr id="4" name="Google Shape;325;p47">
+            <a:extLst>
+              <a:ext uri="{FF2B5EF4-FFF2-40B4-BE49-F238E27FC236}">
+                <a16:creationId xmlns:a16="http://schemas.microsoft.com/office/drawing/2014/main" id="{E455EA58-F56D-AF58-E97D-95A77E0AB6CF}"/>
+              </a:ext>
+            </a:extLst>
+          </p:cNvPr>
+          <p:cNvSpPr txBox="1">
+            <a:spLocks/>
+          </p:cNvSpPr>
+          <p:nvPr/>
+        </p:nvSpPr>
+        <p:spPr>
+          <a:xfrm>
+            <a:off x="-5842" y="3422352"/>
+            <a:ext cx="9149842" cy="1721148"/>
+          </a:xfrm>
+          <a:prstGeom prst="rect">
+            <a:avLst/>
+          </a:prstGeom>
+          <a:noFill/>
+          <a:ln>
+            <a:noFill/>
+          </a:ln>
+        </p:spPr>
+        <p:txBody>
+          <a:bodyPr spcFirstLastPara="1" wrap="square" lIns="91425" tIns="91425" rIns="91425" bIns="91425" anchor="ctr" anchorCtr="0">
+            <a:noAutofit/>
+          </a:bodyPr>
+          <a:lstStyle>
+            <a:defPPr marR="0" lvl="0" algn="l" rtl="0">
+              <a:lnSpc>
+                <a:spcPct val="100000"/>
+              </a:lnSpc>
+              <a:spcBef>
+                <a:spcPts val="0"/>
+              </a:spcBef>
+              <a:spcAft>
+                <a:spcPts val="0"/>
+              </a:spcAft>
+            </a:defPPr>
+            <a:lvl1pPr marL="457200" marR="0" lvl="0" indent="-311150" algn="l" rtl="0">
+              <a:lnSpc>
+                <a:spcPct val="115000"/>
+              </a:lnSpc>
+              <a:spcBef>
+                <a:spcPts val="0"/>
+              </a:spcBef>
+              <a:spcAft>
+                <a:spcPts val="0"/>
+              </a:spcAft>
+              <a:buClr>
+                <a:schemeClr val="dk2"/>
+              </a:buClr>
+              <a:buSzPts val="1300"/>
+              <a:buFont typeface="Roboto"/>
+              <a:buChar char="●"/>
+              <a:defRPr sz="1300" b="0" i="0" u="none" strike="noStrike" cap="none">
+                <a:solidFill>
+                  <a:schemeClr val="dk2"/>
+                </a:solidFill>
+                <a:latin typeface="Roboto"/>
+                <a:ea typeface="Roboto"/>
+                <a:cs typeface="Roboto"/>
+                <a:sym typeface="Roboto"/>
+              </a:defRPr>
+            </a:lvl1pPr>
+            <a:lvl2pPr marL="914400" marR="0" lvl="1" indent="-298450" algn="l" rtl="0">
+              <a:lnSpc>
+                <a:spcPct val="115000"/>
+              </a:lnSpc>
+              <a:spcBef>
+                <a:spcPts val="1600"/>
+              </a:spcBef>
+              <a:spcAft>
+                <a:spcPts val="0"/>
+              </a:spcAft>
+              <a:buClr>
+                <a:schemeClr val="dk2"/>
+              </a:buClr>
+              <a:buSzPts val="1100"/>
+              <a:buFont typeface="Roboto"/>
+              <a:buChar char="○"/>
+              <a:defRPr sz="1100" b="0" i="0" u="none" strike="noStrike" cap="none">
+                <a:solidFill>
+                  <a:schemeClr val="dk2"/>
+                </a:solidFill>
+                <a:latin typeface="Roboto"/>
+                <a:ea typeface="Roboto"/>
+                <a:cs typeface="Roboto"/>
+                <a:sym typeface="Roboto"/>
+              </a:defRPr>
+            </a:lvl2pPr>
+            <a:lvl3pPr marL="1371600" marR="0" lvl="2" indent="-298450" algn="l" rtl="0">
+              <a:lnSpc>
+                <a:spcPct val="115000"/>
+              </a:lnSpc>
+              <a:spcBef>
+                <a:spcPts val="1600"/>
+              </a:spcBef>
+              <a:spcAft>
+                <a:spcPts val="0"/>
+              </a:spcAft>
+              <a:buClr>
+                <a:schemeClr val="dk2"/>
+              </a:buClr>
+              <a:buSzPts val="1100"/>
+              <a:buFont typeface="Roboto"/>
+              <a:buChar char="■"/>
+              <a:defRPr sz="1100" b="0" i="0" u="none" strike="noStrike" cap="none">
+                <a:solidFill>
+                  <a:schemeClr val="dk2"/>
+                </a:solidFill>
+                <a:latin typeface="Roboto"/>
+                <a:ea typeface="Roboto"/>
+                <a:cs typeface="Roboto"/>
+                <a:sym typeface="Roboto"/>
+              </a:defRPr>
+            </a:lvl3pPr>
+            <a:lvl4pPr marL="1828800" marR="0" lvl="3" indent="-298450" algn="l" rtl="0">
+              <a:lnSpc>
+                <a:spcPct val="115000"/>
+              </a:lnSpc>
+              <a:spcBef>
+                <a:spcPts val="1600"/>
+              </a:spcBef>
+              <a:spcAft>
+                <a:spcPts val="0"/>
+              </a:spcAft>
+              <a:buClr>
+                <a:schemeClr val="dk2"/>
+              </a:buClr>
+              <a:buSzPts val="1100"/>
+              <a:buFont typeface="Roboto"/>
+              <a:buChar char="●"/>
+              <a:defRPr sz="1100" b="0" i="0" u="none" strike="noStrike" cap="none">
+                <a:solidFill>
+                  <a:schemeClr val="dk2"/>
+                </a:solidFill>
+                <a:latin typeface="Roboto"/>
+                <a:ea typeface="Roboto"/>
+                <a:cs typeface="Roboto"/>
+                <a:sym typeface="Roboto"/>
+              </a:defRPr>
+            </a:lvl4pPr>
+            <a:lvl5pPr marL="2286000" marR="0" lvl="4" indent="-298450" algn="l" rtl="0">
+              <a:lnSpc>
+                <a:spcPct val="115000"/>
+              </a:lnSpc>
+              <a:spcBef>
+                <a:spcPts val="1600"/>
+              </a:spcBef>
+              <a:spcAft>
+                <a:spcPts val="0"/>
+              </a:spcAft>
+              <a:buClr>
+                <a:schemeClr val="dk2"/>
+              </a:buClr>
+              <a:buSzPts val="1100"/>
+              <a:buFont typeface="Roboto"/>
+              <a:buChar char="○"/>
+              <a:defRPr sz="1100" b="0" i="0" u="none" strike="noStrike" cap="none">
+                <a:solidFill>
+                  <a:schemeClr val="dk2"/>
+                </a:solidFill>
+                <a:latin typeface="Roboto"/>
+                <a:ea typeface="Roboto"/>
+                <a:cs typeface="Roboto"/>
+                <a:sym typeface="Roboto"/>
+              </a:defRPr>
+            </a:lvl5pPr>
+            <a:lvl6pPr marL="2743200" marR="0" lvl="5" indent="-298450" algn="l" rtl="0">
+              <a:lnSpc>
+                <a:spcPct val="115000"/>
+              </a:lnSpc>
+              <a:spcBef>
+                <a:spcPts val="1600"/>
+              </a:spcBef>
+              <a:spcAft>
+                <a:spcPts val="0"/>
+              </a:spcAft>
+              <a:buClr>
+                <a:schemeClr val="dk2"/>
+              </a:buClr>
+              <a:buSzPts val="1100"/>
+              <a:buFont typeface="Roboto"/>
+              <a:buChar char="■"/>
+              <a:defRPr sz="1100" b="0" i="0" u="none" strike="noStrike" cap="none">
+                <a:solidFill>
+                  <a:schemeClr val="dk2"/>
+                </a:solidFill>
+                <a:latin typeface="Roboto"/>
+                <a:ea typeface="Roboto"/>
+                <a:cs typeface="Roboto"/>
+                <a:sym typeface="Roboto"/>
+              </a:defRPr>
+            </a:lvl6pPr>
+            <a:lvl7pPr marL="3200400" marR="0" lvl="6" indent="-298450" algn="l" rtl="0">
+              <a:lnSpc>
+                <a:spcPct val="115000"/>
+              </a:lnSpc>
+              <a:spcBef>
+                <a:spcPts val="1600"/>
+              </a:spcBef>
+              <a:spcAft>
+                <a:spcPts val="0"/>
+              </a:spcAft>
+              <a:buClr>
+                <a:schemeClr val="dk2"/>
+              </a:buClr>
+              <a:buSzPts val="1100"/>
+              <a:buFont typeface="Roboto"/>
+              <a:buChar char="●"/>
+              <a:defRPr sz="1100" b="0" i="0" u="none" strike="noStrike" cap="none">
+                <a:solidFill>
+                  <a:schemeClr val="dk2"/>
+                </a:solidFill>
+                <a:latin typeface="Roboto"/>
+                <a:ea typeface="Roboto"/>
+                <a:cs typeface="Roboto"/>
+                <a:sym typeface="Roboto"/>
+              </a:defRPr>
+            </a:lvl7pPr>
+            <a:lvl8pPr marL="3657600" marR="0" lvl="7" indent="-298450" algn="l" rtl="0">
+              <a:lnSpc>
+                <a:spcPct val="115000"/>
+              </a:lnSpc>
+              <a:spcBef>
+                <a:spcPts val="1600"/>
+              </a:spcBef>
+              <a:spcAft>
+                <a:spcPts val="0"/>
+              </a:spcAft>
+              <a:buClr>
+                <a:schemeClr val="dk2"/>
+              </a:buClr>
+              <a:buSzPts val="1100"/>
+              <a:buFont typeface="Roboto"/>
+              <a:buChar char="○"/>
+              <a:defRPr sz="1100" b="0" i="0" u="none" strike="noStrike" cap="none">
+                <a:solidFill>
+                  <a:schemeClr val="dk2"/>
+                </a:solidFill>
+                <a:latin typeface="Roboto"/>
+                <a:ea typeface="Roboto"/>
+                <a:cs typeface="Roboto"/>
+                <a:sym typeface="Roboto"/>
+              </a:defRPr>
+            </a:lvl8pPr>
+            <a:lvl9pPr marL="4114800" marR="0" lvl="8" indent="-298450" algn="l" rtl="0">
+              <a:lnSpc>
+                <a:spcPct val="115000"/>
+              </a:lnSpc>
+              <a:spcBef>
+                <a:spcPts val="1600"/>
+              </a:spcBef>
+              <a:spcAft>
+                <a:spcPts val="1600"/>
+              </a:spcAft>
+              <a:buClr>
+                <a:schemeClr val="dk2"/>
+              </a:buClr>
+              <a:buSzPts val="1100"/>
+              <a:buFont typeface="Roboto"/>
+              <a:buChar char="■"/>
+              <a:defRPr sz="1100" b="0" i="0" u="none" strike="noStrike" cap="none">
+                <a:solidFill>
+                  <a:schemeClr val="dk2"/>
+                </a:solidFill>
+                <a:latin typeface="Roboto"/>
+                <a:ea typeface="Roboto"/>
+                <a:cs typeface="Roboto"/>
+                <a:sym typeface="Roboto"/>
+              </a:defRPr>
+            </a:lvl9pPr>
+          </a:lstStyle>
+          <a:p>
+            <a:pPr marL="0" indent="0">
+              <a:spcAft>
+                <a:spcPts val="1600"/>
+              </a:spcAft>
+              <a:buNone/>
+            </a:pPr>
+            <a:r>
+              <a:rPr lang="en-US" sz="2800" dirty="0"/>
+              <a:t>After completing the Quiz </a:t>
+            </a:r>
+          </a:p>
+          <a:p>
+            <a:pPr marL="342900" indent="-342900">
+              <a:spcAft>
+                <a:spcPts val="1600"/>
+              </a:spcAft>
+            </a:pPr>
+            <a:r>
+              <a:rPr lang="en-US" sz="2400" dirty="0"/>
+              <a:t>Clone/Pull Unit1 – git hub classroom repo for class activities</a:t>
+            </a:r>
+            <a:endParaRPr lang="en-US" sz="2400" dirty="0">
+              <a:solidFill>
+                <a:schemeClr val="tx1"/>
+              </a:solidFill>
+            </a:endParaRPr>
+          </a:p>
+        </p:txBody>
+      </p:sp>
+    </p:spTree>
+  </p:cSld>
+  <p:clrMapOvr>
+    <a:masterClrMapping/>
+  </p:clrMapOvr>
+</p:sld>
+</file>
+
+<file path=ppt/slides/slide10.xml><?xml version="1.0" encoding="utf-8"?>
+<p:sld xmlns:a="http://schemas.openxmlformats.org/drawingml/2006/main" xmlns:r="http://schemas.openxmlformats.org/officeDocument/2006/relationships" xmlns:p="http://schemas.openxmlformats.org/presentationml/2006/main" show="0">
+  <p:cSld>
+    <p:spTree>
+      <p:nvGrpSpPr>
+        <p:cNvPr id="1" name="Shape 323"/>
+        <p:cNvGrpSpPr/>
+        <p:nvPr/>
+      </p:nvGrpSpPr>
+      <p:grpSpPr>
+        <a:xfrm>
+          <a:off x="0" y="0"/>
+          <a:ext cx="0" cy="0"/>
+          <a:chOff x="0" y="0"/>
+          <a:chExt cx="0" cy="0"/>
+        </a:xfrm>
+      </p:grpSpPr>
+      <p:sp>
+        <p:nvSpPr>
+          <p:cNvPr id="324" name="Google Shape;324;p47"/>
+          <p:cNvSpPr txBox="1">
+            <a:spLocks noGrp="1"/>
+          </p:cNvSpPr>
+          <p:nvPr>
+            <p:ph type="title"/>
+          </p:nvPr>
+        </p:nvSpPr>
+        <p:spPr>
+          <a:xfrm>
+            <a:off x="226208" y="1"/>
+            <a:ext cx="8520600" cy="464980"/>
+          </a:xfrm>
+          <a:prstGeom prst="rect">
+            <a:avLst/>
+          </a:prstGeom>
+        </p:spPr>
+        <p:txBody>
+          <a:bodyPr spcFirstLastPara="1" wrap="square" lIns="91425" tIns="91425" rIns="91425" bIns="91425" anchor="t" anchorCtr="0">
+            <a:noAutofit/>
+          </a:bodyPr>
+          <a:lstStyle/>
+          <a:p>
+            <a:pPr marL="0" lvl="0" indent="0" algn="ctr" rtl="0">
+              <a:spcBef>
+                <a:spcPts val="0"/>
+              </a:spcBef>
+              <a:spcAft>
+                <a:spcPts val="0"/>
+              </a:spcAft>
+              <a:buNone/>
+            </a:pPr>
+            <a:r>
+              <a:rPr lang="en-US" dirty="0"/>
+              <a:t>Use </a:t>
+            </a:r>
+            <a:r>
+              <a:rPr lang="en-US" sz="2400" dirty="0"/>
+              <a:t>Assigned</a:t>
+            </a:r>
+            <a:r>
+              <a:rPr lang="en-US" dirty="0"/>
+              <a:t> Seat</a:t>
+            </a:r>
+            <a:endParaRPr dirty="0"/>
+          </a:p>
+        </p:txBody>
+      </p:sp>
+      <p:sp>
+        <p:nvSpPr>
+          <p:cNvPr id="326" name="Google Shape;326;p47"/>
+          <p:cNvSpPr txBox="1">
+            <a:spLocks noGrp="1"/>
+          </p:cNvSpPr>
+          <p:nvPr>
+            <p:ph type="sldNum" idx="12"/>
+          </p:nvPr>
+        </p:nvSpPr>
+        <p:spPr>
+          <a:xfrm>
+            <a:off x="8472458" y="4663217"/>
+            <a:ext cx="548700" cy="393600"/>
+          </a:xfrm>
+          <a:prstGeom prst="rect">
+            <a:avLst/>
+          </a:prstGeom>
+        </p:spPr>
+        <p:txBody>
+          <a:bodyPr spcFirstLastPara="1" wrap="square" lIns="91425" tIns="91425" rIns="91425" bIns="91425" anchor="ctr" anchorCtr="0">
+            <a:noAutofit/>
+          </a:bodyPr>
+          <a:lstStyle/>
+          <a:p>
+            <a:pPr marL="0" lvl="0" indent="0" algn="r" rtl="0">
+              <a:spcBef>
+                <a:spcPts val="0"/>
+              </a:spcBef>
+              <a:spcAft>
+                <a:spcPts val="0"/>
+              </a:spcAft>
+              <a:buNone/>
+            </a:pPr>
+            <a:fld id="{00000000-1234-1234-1234-123412341234}" type="slidenum">
+              <a:rPr lang="en"/>
+              <a:t>10</a:t>
+            </a:fld>
+            <a:endParaRPr/>
+          </a:p>
+        </p:txBody>
+      </p:sp>
+      <p:pic>
+        <p:nvPicPr>
+          <p:cNvPr id="6" name="Picture 5">
+            <a:extLst>
+              <a:ext uri="{FF2B5EF4-FFF2-40B4-BE49-F238E27FC236}">
+                <a16:creationId xmlns:a16="http://schemas.microsoft.com/office/drawing/2014/main" id="{DED32793-7C09-E3A3-94E5-B5D46727A1D0}"/>
+              </a:ext>
+            </a:extLst>
+          </p:cNvPr>
+          <p:cNvPicPr>
+            <a:picLocks noChangeAspect="1"/>
+          </p:cNvPicPr>
+          <p:nvPr/>
+        </p:nvPicPr>
+        <p:blipFill>
+          <a:blip r:embed="rId3"/>
+          <a:stretch>
+            <a:fillRect/>
+          </a:stretch>
+        </p:blipFill>
+        <p:spPr>
+          <a:xfrm>
+            <a:off x="-1" y="551663"/>
+            <a:ext cx="9144001" cy="4591837"/>
+          </a:xfrm>
+          <a:prstGeom prst="rect">
+            <a:avLst/>
+          </a:prstGeom>
+        </p:spPr>
+      </p:pic>
+    </p:spTree>
+    <p:extLst>
+      <p:ext uri="{BB962C8B-B14F-4D97-AF65-F5344CB8AC3E}">
+        <p14:creationId xmlns:p14="http://schemas.microsoft.com/office/powerpoint/2010/main" val="4226348449"/>
+      </p:ext>
+    </p:extLst>
+  </p:cSld>
+  <p:clrMapOvr>
+    <a:masterClrMapping/>
+  </p:clrMapOvr>
+</p:sld>
+</file>
+
+<file path=ppt/slides/slide11.xml><?xml version="1.0" encoding="utf-8"?>
+<p:sld xmlns:a="http://schemas.openxmlformats.org/drawingml/2006/main" xmlns:r="http://schemas.openxmlformats.org/officeDocument/2006/relationships" xmlns:p="http://schemas.openxmlformats.org/presentationml/2006/main" show="0">
+  <p:cSld>
+    <p:spTree>
+      <p:nvGrpSpPr>
+        <p:cNvPr id="1" name="Shape 323"/>
+        <p:cNvGrpSpPr/>
+        <p:nvPr/>
+      </p:nvGrpSpPr>
+      <p:grpSpPr>
+        <a:xfrm>
+          <a:off x="0" y="0"/>
+          <a:ext cx="0" cy="0"/>
+          <a:chOff x="0" y="0"/>
+          <a:chExt cx="0" cy="0"/>
+        </a:xfrm>
+      </p:grpSpPr>
+      <p:sp>
+        <p:nvSpPr>
+          <p:cNvPr id="324" name="Google Shape;324;p47"/>
+          <p:cNvSpPr txBox="1">
+            <a:spLocks noGrp="1"/>
+          </p:cNvSpPr>
+          <p:nvPr>
+            <p:ph type="title"/>
+          </p:nvPr>
+        </p:nvSpPr>
+        <p:spPr>
+          <a:xfrm>
+            <a:off x="226208" y="1"/>
+            <a:ext cx="8520600" cy="464980"/>
+          </a:xfrm>
+          <a:prstGeom prst="rect">
+            <a:avLst/>
+          </a:prstGeom>
+        </p:spPr>
+        <p:txBody>
+          <a:bodyPr spcFirstLastPara="1" wrap="square" lIns="91425" tIns="91425" rIns="91425" bIns="91425" anchor="t" anchorCtr="0">
+            <a:noAutofit/>
+          </a:bodyPr>
+          <a:lstStyle/>
+          <a:p>
+            <a:pPr marL="0" lvl="0" indent="0" algn="ctr" rtl="0">
+              <a:spcBef>
+                <a:spcPts val="0"/>
+              </a:spcBef>
+              <a:spcAft>
+                <a:spcPts val="0"/>
+              </a:spcAft>
+              <a:buNone/>
+            </a:pPr>
+            <a:r>
+              <a:rPr lang="en-US" dirty="0"/>
+              <a:t>Use </a:t>
+            </a:r>
+            <a:r>
+              <a:rPr lang="en-US" sz="2400" dirty="0"/>
+              <a:t>Assigned</a:t>
+            </a:r>
+            <a:r>
+              <a:rPr lang="en-US" dirty="0"/>
+              <a:t> Seat</a:t>
+            </a:r>
+            <a:endParaRPr dirty="0"/>
+          </a:p>
+        </p:txBody>
+      </p:sp>
+      <p:sp>
+        <p:nvSpPr>
+          <p:cNvPr id="326" name="Google Shape;326;p47"/>
+          <p:cNvSpPr txBox="1">
+            <a:spLocks noGrp="1"/>
+          </p:cNvSpPr>
+          <p:nvPr>
+            <p:ph type="sldNum" idx="12"/>
+          </p:nvPr>
+        </p:nvSpPr>
+        <p:spPr>
+          <a:xfrm>
+            <a:off x="8472458" y="4663217"/>
+            <a:ext cx="548700" cy="393600"/>
+          </a:xfrm>
+          <a:prstGeom prst="rect">
+            <a:avLst/>
+          </a:prstGeom>
+        </p:spPr>
+        <p:txBody>
+          <a:bodyPr spcFirstLastPara="1" wrap="square" lIns="91425" tIns="91425" rIns="91425" bIns="91425" anchor="ctr" anchorCtr="0">
+            <a:noAutofit/>
+          </a:bodyPr>
+          <a:lstStyle/>
+          <a:p>
+            <a:pPr marL="0" lvl="0" indent="0" algn="r" rtl="0">
+              <a:spcBef>
+                <a:spcPts val="0"/>
+              </a:spcBef>
+              <a:spcAft>
+                <a:spcPts val="0"/>
+              </a:spcAft>
+              <a:buNone/>
+            </a:pPr>
+            <a:fld id="{00000000-1234-1234-1234-123412341234}" type="slidenum">
+              <a:rPr lang="en"/>
+              <a:t>11</a:t>
+            </a:fld>
+            <a:endParaRPr/>
+          </a:p>
+        </p:txBody>
+      </p:sp>
+      <p:pic>
+        <p:nvPicPr>
+          <p:cNvPr id="3" name="Picture 2">
+            <a:extLst>
+              <a:ext uri="{FF2B5EF4-FFF2-40B4-BE49-F238E27FC236}">
+                <a16:creationId xmlns:a16="http://schemas.microsoft.com/office/drawing/2014/main" id="{92DE4AAC-70FE-A114-5258-F5B22EDDED45}"/>
+              </a:ext>
+            </a:extLst>
+          </p:cNvPr>
+          <p:cNvPicPr>
+            <a:picLocks noChangeAspect="1"/>
+          </p:cNvPicPr>
+          <p:nvPr/>
+        </p:nvPicPr>
+        <p:blipFill>
+          <a:blip r:embed="rId3"/>
+          <a:stretch>
+            <a:fillRect/>
+          </a:stretch>
+        </p:blipFill>
+        <p:spPr>
+          <a:xfrm>
+            <a:off x="0" y="716280"/>
+            <a:ext cx="9144000" cy="4427218"/>
+          </a:xfrm>
+          <a:prstGeom prst="rect">
+            <a:avLst/>
+          </a:prstGeom>
+        </p:spPr>
+      </p:pic>
+    </p:spTree>
+    <p:extLst>
+      <p:ext uri="{BB962C8B-B14F-4D97-AF65-F5344CB8AC3E}">
+        <p14:creationId xmlns:p14="http://schemas.microsoft.com/office/powerpoint/2010/main" val="1976403023"/>
+      </p:ext>
+    </p:extLst>
+  </p:cSld>
+  <p:clrMapOvr>
+    <a:masterClrMapping/>
+  </p:clrMapOvr>
+</p:sld>
+</file>
+
+<file path=ppt/slides/slide12.xml><?xml version="1.0" encoding="utf-8"?>
+<p:sld xmlns:a="http://schemas.openxmlformats.org/drawingml/2006/main" xmlns:r="http://schemas.openxmlformats.org/officeDocument/2006/relationships" xmlns:p="http://schemas.openxmlformats.org/presentationml/2006/main" show="0">
+  <p:cSld>
+    <p:spTree>
+      <p:nvGrpSpPr>
+        <p:cNvPr id="1" name="Shape 323"/>
+        <p:cNvGrpSpPr/>
+        <p:nvPr/>
+      </p:nvGrpSpPr>
+      <p:grpSpPr>
+        <a:xfrm>
+          <a:off x="0" y="0"/>
+          <a:ext cx="0" cy="0"/>
+          <a:chOff x="0" y="0"/>
+          <a:chExt cx="0" cy="0"/>
+        </a:xfrm>
+      </p:grpSpPr>
+      <p:sp>
+        <p:nvSpPr>
+          <p:cNvPr id="324" name="Google Shape;324;p47"/>
+          <p:cNvSpPr txBox="1">
+            <a:spLocks noGrp="1"/>
+          </p:cNvSpPr>
+          <p:nvPr>
+            <p:ph type="title"/>
+          </p:nvPr>
+        </p:nvSpPr>
+        <p:spPr>
+          <a:xfrm>
+            <a:off x="226208" y="1"/>
+            <a:ext cx="8520600" cy="464980"/>
+          </a:xfrm>
+          <a:prstGeom prst="rect">
+            <a:avLst/>
+          </a:prstGeom>
+        </p:spPr>
+        <p:txBody>
+          <a:bodyPr spcFirstLastPara="1" wrap="square" lIns="91425" tIns="91425" rIns="91425" bIns="91425" anchor="t" anchorCtr="0">
+            <a:noAutofit/>
+          </a:bodyPr>
+          <a:lstStyle/>
+          <a:p>
+            <a:pPr marL="0" lvl="0" indent="0" algn="ctr" rtl="0">
+              <a:spcBef>
+                <a:spcPts val="0"/>
+              </a:spcBef>
+              <a:spcAft>
+                <a:spcPts val="0"/>
+              </a:spcAft>
+              <a:buNone/>
+            </a:pPr>
+            <a:r>
+              <a:rPr lang="en-US" dirty="0"/>
+              <a:t>Use </a:t>
+            </a:r>
+            <a:r>
+              <a:rPr lang="en-US" sz="2400" dirty="0"/>
+              <a:t>Assigned</a:t>
+            </a:r>
+            <a:r>
+              <a:rPr lang="en-US" dirty="0"/>
+              <a:t> Seat</a:t>
+            </a:r>
+            <a:endParaRPr dirty="0"/>
+          </a:p>
+        </p:txBody>
+      </p:sp>
+      <p:sp>
+        <p:nvSpPr>
+          <p:cNvPr id="326" name="Google Shape;326;p47"/>
+          <p:cNvSpPr txBox="1">
+            <a:spLocks noGrp="1"/>
+          </p:cNvSpPr>
+          <p:nvPr>
+            <p:ph type="sldNum" idx="12"/>
+          </p:nvPr>
+        </p:nvSpPr>
+        <p:spPr>
+          <a:xfrm>
+            <a:off x="8472458" y="4663217"/>
+            <a:ext cx="548700" cy="393600"/>
+          </a:xfrm>
+          <a:prstGeom prst="rect">
+            <a:avLst/>
+          </a:prstGeom>
+        </p:spPr>
+        <p:txBody>
+          <a:bodyPr spcFirstLastPara="1" wrap="square" lIns="91425" tIns="91425" rIns="91425" bIns="91425" anchor="ctr" anchorCtr="0">
+            <a:noAutofit/>
+          </a:bodyPr>
+          <a:lstStyle/>
+          <a:p>
+            <a:pPr marL="0" lvl="0" indent="0" algn="r" rtl="0">
+              <a:spcBef>
+                <a:spcPts val="0"/>
+              </a:spcBef>
+              <a:spcAft>
+                <a:spcPts val="0"/>
+              </a:spcAft>
+              <a:buNone/>
+            </a:pPr>
+            <a:fld id="{00000000-1234-1234-1234-123412341234}" type="slidenum">
+              <a:rPr lang="en"/>
+              <a:t>12</a:t>
+            </a:fld>
+            <a:endParaRPr/>
+          </a:p>
+        </p:txBody>
+      </p:sp>
+      <p:pic>
+        <p:nvPicPr>
+          <p:cNvPr id="4" name="Picture 3">
+            <a:extLst>
+              <a:ext uri="{FF2B5EF4-FFF2-40B4-BE49-F238E27FC236}">
+                <a16:creationId xmlns:a16="http://schemas.microsoft.com/office/drawing/2014/main" id="{DCD752B9-EFAE-AFC1-7D39-6763B89DE8D3}"/>
+              </a:ext>
+            </a:extLst>
+          </p:cNvPr>
+          <p:cNvPicPr>
+            <a:picLocks noChangeAspect="1"/>
+          </p:cNvPicPr>
+          <p:nvPr/>
+        </p:nvPicPr>
+        <p:blipFill>
+          <a:blip r:embed="rId3"/>
+          <a:stretch>
+            <a:fillRect/>
+          </a:stretch>
+        </p:blipFill>
+        <p:spPr>
+          <a:xfrm>
+            <a:off x="0" y="652130"/>
+            <a:ext cx="9144000" cy="4491369"/>
+          </a:xfrm>
+          <a:prstGeom prst="rect">
+            <a:avLst/>
+          </a:prstGeom>
+        </p:spPr>
+      </p:pic>
+    </p:spTree>
+    <p:extLst>
+      <p:ext uri="{BB962C8B-B14F-4D97-AF65-F5344CB8AC3E}">
+        <p14:creationId xmlns:p14="http://schemas.microsoft.com/office/powerpoint/2010/main" val="3365057756"/>
+      </p:ext>
+    </p:extLst>
+  </p:cSld>
+  <p:clrMapOvr>
+    <a:masterClrMapping/>
+  </p:clrMapOvr>
+</p:sld>
+</file>
+
+<file path=ppt/slides/slide2.xml><?xml version="1.0" encoding="utf-8"?>
+<p:sld xmlns:a="http://schemas.openxmlformats.org/drawingml/2006/main" xmlns:r="http://schemas.openxmlformats.org/officeDocument/2006/relationships" xmlns:p="http://schemas.openxmlformats.org/presentationml/2006/main" show="0">
+  <p:cSld>
+    <p:spTree>
+      <p:nvGrpSpPr>
+        <p:cNvPr id="1" name="Shape 323"/>
+        <p:cNvGrpSpPr/>
+        <p:nvPr/>
+      </p:nvGrpSpPr>
+      <p:grpSpPr>
+        <a:xfrm>
+          <a:off x="0" y="0"/>
+          <a:ext cx="0" cy="0"/>
+          <a:chOff x="0" y="0"/>
+          <a:chExt cx="0" cy="0"/>
+        </a:xfrm>
+      </p:grpSpPr>
+      <p:sp>
+        <p:nvSpPr>
+          <p:cNvPr id="324" name="Google Shape;324;p47"/>
+          <p:cNvSpPr txBox="1">
+            <a:spLocks noGrp="1"/>
+          </p:cNvSpPr>
+          <p:nvPr>
+            <p:ph type="title"/>
+          </p:nvPr>
+        </p:nvSpPr>
+        <p:spPr>
+          <a:xfrm>
             <a:off x="314621" y="235914"/>
             <a:ext cx="8520600" cy="623700"/>
           </a:xfrm>
@@ -6675,7 +7712,7 @@
             </a:pPr>
             <a:fld id="{00000000-1234-1234-1234-123412341234}" type="slidenum">
               <a:rPr lang="en"/>
-              <a:t>1</a:t>
+              <a:t>2</a:t>
             </a:fld>
             <a:endParaRPr/>
           </a:p>
@@ -7089,463 +8126,7 @@
 </p:sld>
 </file>
 
-<file path=ppt/slides/slide10.xml><?xml version="1.0" encoding="utf-8"?>
-<p:sld xmlns:a="http://schemas.openxmlformats.org/drawingml/2006/main" xmlns:r="http://schemas.openxmlformats.org/officeDocument/2006/relationships" xmlns:p="http://schemas.openxmlformats.org/presentationml/2006/main" show="0">
-  <p:cSld>
-    <p:spTree>
-      <p:nvGrpSpPr>
-        <p:cNvPr id="1" name="Shape 323"/>
-        <p:cNvGrpSpPr/>
-        <p:nvPr/>
-      </p:nvGrpSpPr>
-      <p:grpSpPr>
-        <a:xfrm>
-          <a:off x="0" y="0"/>
-          <a:ext cx="0" cy="0"/>
-          <a:chOff x="0" y="0"/>
-          <a:chExt cx="0" cy="0"/>
-        </a:xfrm>
-      </p:grpSpPr>
-      <p:sp>
-        <p:nvSpPr>
-          <p:cNvPr id="324" name="Google Shape;324;p47"/>
-          <p:cNvSpPr txBox="1">
-            <a:spLocks noGrp="1"/>
-          </p:cNvSpPr>
-          <p:nvPr>
-            <p:ph type="title"/>
-          </p:nvPr>
-        </p:nvSpPr>
-        <p:spPr>
-          <a:xfrm>
-            <a:off x="226208" y="1"/>
-            <a:ext cx="8520600" cy="464980"/>
-          </a:xfrm>
-          <a:prstGeom prst="rect">
-            <a:avLst/>
-          </a:prstGeom>
-        </p:spPr>
-        <p:txBody>
-          <a:bodyPr spcFirstLastPara="1" wrap="square" lIns="91425" tIns="91425" rIns="91425" bIns="91425" anchor="t" anchorCtr="0">
-            <a:noAutofit/>
-          </a:bodyPr>
-          <a:lstStyle/>
-          <a:p>
-            <a:pPr marL="0" lvl="0" indent="0" algn="ctr" rtl="0">
-              <a:spcBef>
-                <a:spcPts val="0"/>
-              </a:spcBef>
-              <a:spcAft>
-                <a:spcPts val="0"/>
-              </a:spcAft>
-              <a:buNone/>
-            </a:pPr>
-            <a:r>
-              <a:rPr lang="en-US" dirty="0"/>
-              <a:t>Use </a:t>
-            </a:r>
-            <a:r>
-              <a:rPr lang="en-US" sz="2400" dirty="0"/>
-              <a:t>Assigned</a:t>
-            </a:r>
-            <a:r>
-              <a:rPr lang="en-US" dirty="0"/>
-              <a:t> Seat</a:t>
-            </a:r>
-            <a:endParaRPr dirty="0"/>
-          </a:p>
-        </p:txBody>
-      </p:sp>
-      <p:sp>
-        <p:nvSpPr>
-          <p:cNvPr id="326" name="Google Shape;326;p47"/>
-          <p:cNvSpPr txBox="1">
-            <a:spLocks noGrp="1"/>
-          </p:cNvSpPr>
-          <p:nvPr>
-            <p:ph type="sldNum" idx="12"/>
-          </p:nvPr>
-        </p:nvSpPr>
-        <p:spPr>
-          <a:xfrm>
-            <a:off x="8472458" y="4663217"/>
-            <a:ext cx="548700" cy="393600"/>
-          </a:xfrm>
-          <a:prstGeom prst="rect">
-            <a:avLst/>
-          </a:prstGeom>
-        </p:spPr>
-        <p:txBody>
-          <a:bodyPr spcFirstLastPara="1" wrap="square" lIns="91425" tIns="91425" rIns="91425" bIns="91425" anchor="ctr" anchorCtr="0">
-            <a:noAutofit/>
-          </a:bodyPr>
-          <a:lstStyle/>
-          <a:p>
-            <a:pPr marL="0" lvl="0" indent="0" algn="r" rtl="0">
-              <a:spcBef>
-                <a:spcPts val="0"/>
-              </a:spcBef>
-              <a:spcAft>
-                <a:spcPts val="0"/>
-              </a:spcAft>
-              <a:buNone/>
-            </a:pPr>
-            <a:fld id="{00000000-1234-1234-1234-123412341234}" type="slidenum">
-              <a:rPr lang="en"/>
-              <a:t>10</a:t>
-            </a:fld>
-            <a:endParaRPr/>
-          </a:p>
-        </p:txBody>
-      </p:sp>
-      <p:pic>
-        <p:nvPicPr>
-          <p:cNvPr id="6" name="Picture 5">
-            <a:extLst>
-              <a:ext uri="{FF2B5EF4-FFF2-40B4-BE49-F238E27FC236}">
-                <a16:creationId xmlns:a16="http://schemas.microsoft.com/office/drawing/2014/main" id="{DED32793-7C09-E3A3-94E5-B5D46727A1D0}"/>
-              </a:ext>
-            </a:extLst>
-          </p:cNvPr>
-          <p:cNvPicPr>
-            <a:picLocks noChangeAspect="1"/>
-          </p:cNvPicPr>
-          <p:nvPr/>
-        </p:nvPicPr>
-        <p:blipFill>
-          <a:blip r:embed="rId3"/>
-          <a:stretch>
-            <a:fillRect/>
-          </a:stretch>
-        </p:blipFill>
-        <p:spPr>
-          <a:xfrm>
-            <a:off x="-1" y="551663"/>
-            <a:ext cx="9144001" cy="4591837"/>
-          </a:xfrm>
-          <a:prstGeom prst="rect">
-            <a:avLst/>
-          </a:prstGeom>
-        </p:spPr>
-      </p:pic>
-    </p:spTree>
-    <p:extLst>
-      <p:ext uri="{BB962C8B-B14F-4D97-AF65-F5344CB8AC3E}">
-        <p14:creationId xmlns:p14="http://schemas.microsoft.com/office/powerpoint/2010/main" val="4226348449"/>
-      </p:ext>
-    </p:extLst>
-  </p:cSld>
-  <p:clrMapOvr>
-    <a:masterClrMapping/>
-  </p:clrMapOvr>
-</p:sld>
-</file>
-
-<file path=ppt/slides/slide11.xml><?xml version="1.0" encoding="utf-8"?>
-<p:sld xmlns:a="http://schemas.openxmlformats.org/drawingml/2006/main" xmlns:r="http://schemas.openxmlformats.org/officeDocument/2006/relationships" xmlns:p="http://schemas.openxmlformats.org/presentationml/2006/main" show="0">
-  <p:cSld>
-    <p:spTree>
-      <p:nvGrpSpPr>
-        <p:cNvPr id="1" name="Shape 323"/>
-        <p:cNvGrpSpPr/>
-        <p:nvPr/>
-      </p:nvGrpSpPr>
-      <p:grpSpPr>
-        <a:xfrm>
-          <a:off x="0" y="0"/>
-          <a:ext cx="0" cy="0"/>
-          <a:chOff x="0" y="0"/>
-          <a:chExt cx="0" cy="0"/>
-        </a:xfrm>
-      </p:grpSpPr>
-      <p:sp>
-        <p:nvSpPr>
-          <p:cNvPr id="324" name="Google Shape;324;p47"/>
-          <p:cNvSpPr txBox="1">
-            <a:spLocks noGrp="1"/>
-          </p:cNvSpPr>
-          <p:nvPr>
-            <p:ph type="title"/>
-          </p:nvPr>
-        </p:nvSpPr>
-        <p:spPr>
-          <a:xfrm>
-            <a:off x="226208" y="1"/>
-            <a:ext cx="8520600" cy="464980"/>
-          </a:xfrm>
-          <a:prstGeom prst="rect">
-            <a:avLst/>
-          </a:prstGeom>
-        </p:spPr>
-        <p:txBody>
-          <a:bodyPr spcFirstLastPara="1" wrap="square" lIns="91425" tIns="91425" rIns="91425" bIns="91425" anchor="t" anchorCtr="0">
-            <a:noAutofit/>
-          </a:bodyPr>
-          <a:lstStyle/>
-          <a:p>
-            <a:pPr marL="0" lvl="0" indent="0" algn="ctr" rtl="0">
-              <a:spcBef>
-                <a:spcPts val="0"/>
-              </a:spcBef>
-              <a:spcAft>
-                <a:spcPts val="0"/>
-              </a:spcAft>
-              <a:buNone/>
-            </a:pPr>
-            <a:r>
-              <a:rPr lang="en-US" dirty="0"/>
-              <a:t>Use </a:t>
-            </a:r>
-            <a:r>
-              <a:rPr lang="en-US" sz="2400" dirty="0"/>
-              <a:t>Assigned</a:t>
-            </a:r>
-            <a:r>
-              <a:rPr lang="en-US" dirty="0"/>
-              <a:t> Seat</a:t>
-            </a:r>
-            <a:endParaRPr dirty="0"/>
-          </a:p>
-        </p:txBody>
-      </p:sp>
-      <p:sp>
-        <p:nvSpPr>
-          <p:cNvPr id="326" name="Google Shape;326;p47"/>
-          <p:cNvSpPr txBox="1">
-            <a:spLocks noGrp="1"/>
-          </p:cNvSpPr>
-          <p:nvPr>
-            <p:ph type="sldNum" idx="12"/>
-          </p:nvPr>
-        </p:nvSpPr>
-        <p:spPr>
-          <a:xfrm>
-            <a:off x="8472458" y="4663217"/>
-            <a:ext cx="548700" cy="393600"/>
-          </a:xfrm>
-          <a:prstGeom prst="rect">
-            <a:avLst/>
-          </a:prstGeom>
-        </p:spPr>
-        <p:txBody>
-          <a:bodyPr spcFirstLastPara="1" wrap="square" lIns="91425" tIns="91425" rIns="91425" bIns="91425" anchor="ctr" anchorCtr="0">
-            <a:noAutofit/>
-          </a:bodyPr>
-          <a:lstStyle/>
-          <a:p>
-            <a:pPr marL="0" lvl="0" indent="0" algn="r" rtl="0">
-              <a:spcBef>
-                <a:spcPts val="0"/>
-              </a:spcBef>
-              <a:spcAft>
-                <a:spcPts val="0"/>
-              </a:spcAft>
-              <a:buNone/>
-            </a:pPr>
-            <a:fld id="{00000000-1234-1234-1234-123412341234}" type="slidenum">
-              <a:rPr lang="en"/>
-              <a:t>11</a:t>
-            </a:fld>
-            <a:endParaRPr/>
-          </a:p>
-        </p:txBody>
-      </p:sp>
-      <p:pic>
-        <p:nvPicPr>
-          <p:cNvPr id="3" name="Picture 2">
-            <a:extLst>
-              <a:ext uri="{FF2B5EF4-FFF2-40B4-BE49-F238E27FC236}">
-                <a16:creationId xmlns:a16="http://schemas.microsoft.com/office/drawing/2014/main" id="{92DE4AAC-70FE-A114-5258-F5B22EDDED45}"/>
-              </a:ext>
-            </a:extLst>
-          </p:cNvPr>
-          <p:cNvPicPr>
-            <a:picLocks noChangeAspect="1"/>
-          </p:cNvPicPr>
-          <p:nvPr/>
-        </p:nvPicPr>
-        <p:blipFill>
-          <a:blip r:embed="rId3"/>
-          <a:stretch>
-            <a:fillRect/>
-          </a:stretch>
-        </p:blipFill>
-        <p:spPr>
-          <a:xfrm>
-            <a:off x="0" y="716280"/>
-            <a:ext cx="9144000" cy="4427218"/>
-          </a:xfrm>
-          <a:prstGeom prst="rect">
-            <a:avLst/>
-          </a:prstGeom>
-        </p:spPr>
-      </p:pic>
-    </p:spTree>
-    <p:extLst>
-      <p:ext uri="{BB962C8B-B14F-4D97-AF65-F5344CB8AC3E}">
-        <p14:creationId xmlns:p14="http://schemas.microsoft.com/office/powerpoint/2010/main" val="1976403023"/>
-      </p:ext>
-    </p:extLst>
-  </p:cSld>
-  <p:clrMapOvr>
-    <a:masterClrMapping/>
-  </p:clrMapOvr>
-</p:sld>
-</file>
-
-<file path=ppt/slides/slide12.xml><?xml version="1.0" encoding="utf-8"?>
-<p:sld xmlns:a="http://schemas.openxmlformats.org/drawingml/2006/main" xmlns:r="http://schemas.openxmlformats.org/officeDocument/2006/relationships" xmlns:p="http://schemas.openxmlformats.org/presentationml/2006/main" show="0">
-  <p:cSld>
-    <p:spTree>
-      <p:nvGrpSpPr>
-        <p:cNvPr id="1" name="Shape 323"/>
-        <p:cNvGrpSpPr/>
-        <p:nvPr/>
-      </p:nvGrpSpPr>
-      <p:grpSpPr>
-        <a:xfrm>
-          <a:off x="0" y="0"/>
-          <a:ext cx="0" cy="0"/>
-          <a:chOff x="0" y="0"/>
-          <a:chExt cx="0" cy="0"/>
-        </a:xfrm>
-      </p:grpSpPr>
-      <p:sp>
-        <p:nvSpPr>
-          <p:cNvPr id="324" name="Google Shape;324;p47"/>
-          <p:cNvSpPr txBox="1">
-            <a:spLocks noGrp="1"/>
-          </p:cNvSpPr>
-          <p:nvPr>
-            <p:ph type="title"/>
-          </p:nvPr>
-        </p:nvSpPr>
-        <p:spPr>
-          <a:xfrm>
-            <a:off x="226208" y="1"/>
-            <a:ext cx="8520600" cy="464980"/>
-          </a:xfrm>
-          <a:prstGeom prst="rect">
-            <a:avLst/>
-          </a:prstGeom>
-        </p:spPr>
-        <p:txBody>
-          <a:bodyPr spcFirstLastPara="1" wrap="square" lIns="91425" tIns="91425" rIns="91425" bIns="91425" anchor="t" anchorCtr="0">
-            <a:noAutofit/>
-          </a:bodyPr>
-          <a:lstStyle/>
-          <a:p>
-            <a:pPr marL="0" lvl="0" indent="0" algn="ctr" rtl="0">
-              <a:spcBef>
-                <a:spcPts val="0"/>
-              </a:spcBef>
-              <a:spcAft>
-                <a:spcPts val="0"/>
-              </a:spcAft>
-              <a:buNone/>
-            </a:pPr>
-            <a:r>
-              <a:rPr lang="en-US" dirty="0"/>
-              <a:t>Use </a:t>
-            </a:r>
-            <a:r>
-              <a:rPr lang="en-US" sz="2400" dirty="0"/>
-              <a:t>Assigned</a:t>
-            </a:r>
-            <a:r>
-              <a:rPr lang="en-US" dirty="0"/>
-              <a:t> Seat</a:t>
-            </a:r>
-            <a:endParaRPr dirty="0"/>
-          </a:p>
-        </p:txBody>
-      </p:sp>
-      <p:sp>
-        <p:nvSpPr>
-          <p:cNvPr id="326" name="Google Shape;326;p47"/>
-          <p:cNvSpPr txBox="1">
-            <a:spLocks noGrp="1"/>
-          </p:cNvSpPr>
-          <p:nvPr>
-            <p:ph type="sldNum" idx="12"/>
-          </p:nvPr>
-        </p:nvSpPr>
-        <p:spPr>
-          <a:xfrm>
-            <a:off x="8472458" y="4663217"/>
-            <a:ext cx="548700" cy="393600"/>
-          </a:xfrm>
-          <a:prstGeom prst="rect">
-            <a:avLst/>
-          </a:prstGeom>
-        </p:spPr>
-        <p:txBody>
-          <a:bodyPr spcFirstLastPara="1" wrap="square" lIns="91425" tIns="91425" rIns="91425" bIns="91425" anchor="ctr" anchorCtr="0">
-            <a:noAutofit/>
-          </a:bodyPr>
-          <a:lstStyle/>
-          <a:p>
-            <a:pPr marL="0" lvl="0" indent="0" algn="r" rtl="0">
-              <a:spcBef>
-                <a:spcPts val="0"/>
-              </a:spcBef>
-              <a:spcAft>
-                <a:spcPts val="0"/>
-              </a:spcAft>
-              <a:buNone/>
-            </a:pPr>
-            <a:fld id="{00000000-1234-1234-1234-123412341234}" type="slidenum">
-              <a:rPr lang="en"/>
-              <a:t>12</a:t>
-            </a:fld>
-            <a:endParaRPr/>
-          </a:p>
-        </p:txBody>
-      </p:sp>
-      <p:pic>
-        <p:nvPicPr>
-          <p:cNvPr id="4" name="Picture 3">
-            <a:extLst>
-              <a:ext uri="{FF2B5EF4-FFF2-40B4-BE49-F238E27FC236}">
-                <a16:creationId xmlns:a16="http://schemas.microsoft.com/office/drawing/2014/main" id="{DCD752B9-EFAE-AFC1-7D39-6763B89DE8D3}"/>
-              </a:ext>
-            </a:extLst>
-          </p:cNvPr>
-          <p:cNvPicPr>
-            <a:picLocks noChangeAspect="1"/>
-          </p:cNvPicPr>
-          <p:nvPr/>
-        </p:nvPicPr>
-        <p:blipFill>
-          <a:blip r:embed="rId3"/>
-          <a:stretch>
-            <a:fillRect/>
-          </a:stretch>
-        </p:blipFill>
-        <p:spPr>
-          <a:xfrm>
-            <a:off x="0" y="652130"/>
-            <a:ext cx="9144000" cy="4491369"/>
-          </a:xfrm>
-          <a:prstGeom prst="rect">
-            <a:avLst/>
-          </a:prstGeom>
-        </p:spPr>
-      </p:pic>
-    </p:spTree>
-    <p:extLst>
-      <p:ext uri="{BB962C8B-B14F-4D97-AF65-F5344CB8AC3E}">
-        <p14:creationId xmlns:p14="http://schemas.microsoft.com/office/powerpoint/2010/main" val="3365057756"/>
-      </p:ext>
-    </p:extLst>
-  </p:cSld>
-  <p:clrMapOvr>
-    <a:masterClrMapping/>
-  </p:clrMapOvr>
-</p:sld>
-</file>
-
-<file path=ppt/slides/slide2.xml><?xml version="1.0" encoding="utf-8"?>
+<file path=ppt/slides/slide3.xml><?xml version="1.0" encoding="utf-8"?>
 <p:sld xmlns:a="http://schemas.openxmlformats.org/drawingml/2006/main" xmlns:r="http://schemas.openxmlformats.org/officeDocument/2006/relationships" xmlns:p="http://schemas.openxmlformats.org/presentationml/2006/main" show="0">
   <p:cSld>
     <p:spTree>
@@ -7640,7 +8221,7 @@
             </a:pPr>
             <a:fld id="{00000000-1234-1234-1234-123412341234}" type="slidenum">
               <a:rPr lang="en"/>
-              <a:t>2</a:t>
+              <a:t>3</a:t>
             </a:fld>
             <a:endParaRPr/>
           </a:p>
@@ -8113,7 +8694,7 @@
 </p:sld>
 </file>
 
-<file path=ppt/slides/slide3.xml><?xml version="1.0" encoding="utf-8"?>
+<file path=ppt/slides/slide4.xml><?xml version="1.0" encoding="utf-8"?>
 <p:sld xmlns:a="http://schemas.openxmlformats.org/drawingml/2006/main" xmlns:r="http://schemas.openxmlformats.org/officeDocument/2006/relationships" xmlns:p="http://schemas.openxmlformats.org/presentationml/2006/main" show="0">
   <p:cSld>
     <p:spTree>
@@ -8293,7 +8874,7 @@
             </a:pPr>
             <a:fld id="{00000000-1234-1234-1234-123412341234}" type="slidenum">
               <a:rPr lang="en"/>
-              <a:t>3</a:t>
+              <a:t>4</a:t>
             </a:fld>
             <a:endParaRPr/>
           </a:p>
@@ -9316,7 +9897,7 @@
 </p:sld>
 </file>
 
-<file path=ppt/slides/slide4.xml><?xml version="1.0" encoding="utf-8"?>
+<file path=ppt/slides/slide5.xml><?xml version="1.0" encoding="utf-8"?>
 <p:sld xmlns:a="http://schemas.openxmlformats.org/drawingml/2006/main" xmlns:r="http://schemas.openxmlformats.org/officeDocument/2006/relationships" xmlns:p="http://schemas.openxmlformats.org/presentationml/2006/main" show="0">
   <p:cSld>
     <p:spTree>
@@ -9496,7 +10077,7 @@
             </a:pPr>
             <a:fld id="{00000000-1234-1234-1234-123412341234}" type="slidenum">
               <a:rPr lang="en"/>
-              <a:t>4</a:t>
+              <a:t>5</a:t>
             </a:fld>
             <a:endParaRPr/>
           </a:p>
@@ -10220,585 +10801,6 @@
         <p14:creationId xmlns:p14="http://schemas.microsoft.com/office/powerpoint/2010/main" val="1835810010"/>
       </p:ext>
     </p:extLst>
-  </p:cSld>
-  <p:clrMapOvr>
-    <a:masterClrMapping/>
-  </p:clrMapOvr>
-</p:sld>
-</file>
-
-<file path=ppt/slides/slide5.xml><?xml version="1.0" encoding="utf-8"?>
-<p:sld xmlns:a="http://schemas.openxmlformats.org/drawingml/2006/main" xmlns:r="http://schemas.openxmlformats.org/officeDocument/2006/relationships" xmlns:p="http://schemas.openxmlformats.org/presentationml/2006/main" show="0">
-  <p:cSld>
-    <p:spTree>
-      <p:nvGrpSpPr>
-        <p:cNvPr id="1" name="Shape 323"/>
-        <p:cNvGrpSpPr/>
-        <p:nvPr/>
-      </p:nvGrpSpPr>
-      <p:grpSpPr>
-        <a:xfrm>
-          <a:off x="0" y="0"/>
-          <a:ext cx="0" cy="0"/>
-          <a:chOff x="0" y="0"/>
-          <a:chExt cx="0" cy="0"/>
-        </a:xfrm>
-      </p:grpSpPr>
-      <p:sp>
-        <p:nvSpPr>
-          <p:cNvPr id="324" name="Google Shape;324;p47"/>
-          <p:cNvSpPr txBox="1">
-            <a:spLocks noGrp="1"/>
-          </p:cNvSpPr>
-          <p:nvPr>
-            <p:ph type="title"/>
-          </p:nvPr>
-        </p:nvSpPr>
-        <p:spPr>
-          <a:xfrm>
-            <a:off x="305858" y="273819"/>
-            <a:ext cx="8520600" cy="623700"/>
-          </a:xfrm>
-          <a:prstGeom prst="rect">
-            <a:avLst/>
-          </a:prstGeom>
-        </p:spPr>
-        <p:txBody>
-          <a:bodyPr spcFirstLastPara="1" wrap="square" lIns="91425" tIns="91425" rIns="91425" bIns="91425" anchor="t" anchorCtr="0">
-            <a:noAutofit/>
-          </a:bodyPr>
-          <a:lstStyle/>
-          <a:p>
-            <a:pPr marL="0" lvl="0" indent="0" algn="ctr" rtl="0">
-              <a:spcBef>
-                <a:spcPts val="0"/>
-              </a:spcBef>
-              <a:spcAft>
-                <a:spcPts val="0"/>
-              </a:spcAft>
-              <a:buNone/>
-            </a:pPr>
-            <a:r>
-              <a:rPr lang="en-US" dirty="0"/>
-              <a:t>GCIS – Software Development and Problem Solving</a:t>
-            </a:r>
-            <a:endParaRPr dirty="0"/>
-          </a:p>
-        </p:txBody>
-      </p:sp>
-      <p:sp>
-        <p:nvSpPr>
-          <p:cNvPr id="325" name="Google Shape;325;p47"/>
-          <p:cNvSpPr txBox="1">
-            <a:spLocks noGrp="1"/>
-          </p:cNvSpPr>
-          <p:nvPr>
-            <p:ph type="body" idx="1"/>
-          </p:nvPr>
-        </p:nvSpPr>
-        <p:spPr>
-          <a:xfrm>
-            <a:off x="-5842" y="1721147"/>
-            <a:ext cx="9149842" cy="1226403"/>
-          </a:xfrm>
-          <a:prstGeom prst="rect">
-            <a:avLst/>
-          </a:prstGeom>
-        </p:spPr>
-        <p:txBody>
-          <a:bodyPr spcFirstLastPara="1" wrap="square" lIns="91425" tIns="91425" rIns="91425" bIns="91425" anchor="ctr" anchorCtr="0">
-            <a:noAutofit/>
-          </a:bodyPr>
-          <a:lstStyle/>
-          <a:p>
-            <a:pPr algn="ctr"/>
-            <a:r>
-              <a:rPr lang="en-US" sz="2400" dirty="0"/>
-              <a:t>Take </a:t>
-            </a:r>
-            <a:r>
-              <a:rPr lang="pl-PL" sz="2400" dirty="0"/>
-              <a:t>Quiz </a:t>
-            </a:r>
-            <a:r>
-              <a:rPr lang="en-US" sz="2400" dirty="0"/>
-              <a:t>11</a:t>
-            </a:r>
-            <a:r>
-              <a:rPr lang="pl-PL" sz="2400" dirty="0"/>
-              <a:t>.</a:t>
-            </a:r>
-            <a:r>
-              <a:rPr lang="en-US" sz="2400" dirty="0"/>
-              <a:t>3</a:t>
-            </a:r>
-            <a:r>
-              <a:rPr lang="pl-PL" sz="2400" dirty="0"/>
-              <a:t>: </a:t>
-            </a:r>
-            <a:r>
-              <a:rPr lang="en-US" sz="2400" dirty="0"/>
-              <a:t>Methods</a:t>
-            </a:r>
-          </a:p>
-          <a:p>
-            <a:pPr algn="ctr"/>
-            <a:r>
-              <a:rPr lang="en-US" sz="3200" dirty="0">
-                <a:solidFill>
-                  <a:schemeClr val="tx1"/>
-                </a:solidFill>
-              </a:rPr>
-              <a:t>Password - </a:t>
-            </a:r>
-            <a:r>
-              <a:rPr lang="en-US" sz="3200" dirty="0" err="1">
-                <a:solidFill>
-                  <a:schemeClr val="tx1"/>
-                </a:solidFill>
-              </a:rPr>
-              <a:t>MethodActing</a:t>
-            </a:r>
-            <a:endParaRPr sz="3200" dirty="0">
-              <a:solidFill>
-                <a:schemeClr val="tx1"/>
-              </a:solidFill>
-            </a:endParaRPr>
-          </a:p>
-        </p:txBody>
-      </p:sp>
-      <p:sp>
-        <p:nvSpPr>
-          <p:cNvPr id="326" name="Google Shape;326;p47"/>
-          <p:cNvSpPr txBox="1">
-            <a:spLocks noGrp="1"/>
-          </p:cNvSpPr>
-          <p:nvPr>
-            <p:ph type="sldNum" idx="12"/>
-          </p:nvPr>
-        </p:nvSpPr>
-        <p:spPr>
-          <a:xfrm>
-            <a:off x="8472458" y="4663217"/>
-            <a:ext cx="548700" cy="393600"/>
-          </a:xfrm>
-          <a:prstGeom prst="rect">
-            <a:avLst/>
-          </a:prstGeom>
-        </p:spPr>
-        <p:txBody>
-          <a:bodyPr spcFirstLastPara="1" wrap="square" lIns="91425" tIns="91425" rIns="91425" bIns="91425" anchor="ctr" anchorCtr="0">
-            <a:noAutofit/>
-          </a:bodyPr>
-          <a:lstStyle/>
-          <a:p>
-            <a:pPr marL="0" lvl="0" indent="0" algn="r" rtl="0">
-              <a:spcBef>
-                <a:spcPts val="0"/>
-              </a:spcBef>
-              <a:spcAft>
-                <a:spcPts val="0"/>
-              </a:spcAft>
-              <a:buNone/>
-            </a:pPr>
-            <a:fld id="{00000000-1234-1234-1234-123412341234}" type="slidenum">
-              <a:rPr lang="en"/>
-              <a:t>5</a:t>
-            </a:fld>
-            <a:endParaRPr/>
-          </a:p>
-        </p:txBody>
-      </p:sp>
-      <p:sp>
-        <p:nvSpPr>
-          <p:cNvPr id="2" name="TextBox 1">
-            <a:extLst>
-              <a:ext uri="{FF2B5EF4-FFF2-40B4-BE49-F238E27FC236}">
-                <a16:creationId xmlns:a16="http://schemas.microsoft.com/office/drawing/2014/main" id="{DCC33EBB-1C9D-B9A9-88E6-F3466077417F}"/>
-              </a:ext>
-            </a:extLst>
-          </p:cNvPr>
-          <p:cNvSpPr txBox="1"/>
-          <p:nvPr/>
-        </p:nvSpPr>
-        <p:spPr>
-          <a:xfrm>
-            <a:off x="0" y="1277369"/>
-            <a:ext cx="9144000" cy="307777"/>
-          </a:xfrm>
-          <a:prstGeom prst="rect">
-            <a:avLst/>
-          </a:prstGeom>
-          <a:solidFill>
-            <a:srgbClr val="FFC000"/>
-          </a:solidFill>
-        </p:spPr>
-        <p:txBody>
-          <a:bodyPr wrap="square" rtlCol="0">
-            <a:spAutoFit/>
-          </a:bodyPr>
-          <a:lstStyle/>
-          <a:p>
-            <a:r>
-              <a:rPr lang="en-US" dirty="0"/>
-              <a:t>Quiz</a:t>
-            </a:r>
-          </a:p>
-        </p:txBody>
-      </p:sp>
-      <p:sp>
-        <p:nvSpPr>
-          <p:cNvPr id="3" name="TextBox 2">
-            <a:extLst>
-              <a:ext uri="{FF2B5EF4-FFF2-40B4-BE49-F238E27FC236}">
-                <a16:creationId xmlns:a16="http://schemas.microsoft.com/office/drawing/2014/main" id="{64C19922-6A1B-1404-5104-DC43E4C67861}"/>
-              </a:ext>
-            </a:extLst>
-          </p:cNvPr>
-          <p:cNvSpPr txBox="1"/>
-          <p:nvPr/>
-        </p:nvSpPr>
-        <p:spPr>
-          <a:xfrm>
-            <a:off x="-5842" y="3031063"/>
-            <a:ext cx="9144000" cy="307777"/>
-          </a:xfrm>
-          <a:prstGeom prst="rect">
-            <a:avLst/>
-          </a:prstGeom>
-          <a:solidFill>
-            <a:srgbClr val="FFC000"/>
-          </a:solidFill>
-        </p:spPr>
-        <p:txBody>
-          <a:bodyPr wrap="square" rtlCol="0">
-            <a:spAutoFit/>
-          </a:bodyPr>
-          <a:lstStyle/>
-          <a:p>
-            <a:r>
-              <a:rPr lang="en-US" dirty="0"/>
-              <a:t>Next </a:t>
-            </a:r>
-            <a:r>
-              <a:rPr lang="en-US" dirty="0">
-                <a:sym typeface="Wingdings" panose="05000000000000000000" pitchFamily="2" charset="2"/>
-              </a:rPr>
-              <a:t> </a:t>
-            </a:r>
-            <a:endParaRPr lang="en-US" dirty="0"/>
-          </a:p>
-        </p:txBody>
-      </p:sp>
-      <p:sp>
-        <p:nvSpPr>
-          <p:cNvPr id="4" name="Google Shape;325;p47">
-            <a:extLst>
-              <a:ext uri="{FF2B5EF4-FFF2-40B4-BE49-F238E27FC236}">
-                <a16:creationId xmlns:a16="http://schemas.microsoft.com/office/drawing/2014/main" id="{E455EA58-F56D-AF58-E97D-95A77E0AB6CF}"/>
-              </a:ext>
-            </a:extLst>
-          </p:cNvPr>
-          <p:cNvSpPr txBox="1">
-            <a:spLocks/>
-          </p:cNvSpPr>
-          <p:nvPr/>
-        </p:nvSpPr>
-        <p:spPr>
-          <a:xfrm>
-            <a:off x="-5842" y="3422352"/>
-            <a:ext cx="9149842" cy="1721148"/>
-          </a:xfrm>
-          <a:prstGeom prst="rect">
-            <a:avLst/>
-          </a:prstGeom>
-          <a:noFill/>
-          <a:ln>
-            <a:noFill/>
-          </a:ln>
-        </p:spPr>
-        <p:txBody>
-          <a:bodyPr spcFirstLastPara="1" wrap="square" lIns="91425" tIns="91425" rIns="91425" bIns="91425" anchor="ctr" anchorCtr="0">
-            <a:noAutofit/>
-          </a:bodyPr>
-          <a:lstStyle>
-            <a:defPPr marR="0" lvl="0" algn="l" rtl="0">
-              <a:lnSpc>
-                <a:spcPct val="100000"/>
-              </a:lnSpc>
-              <a:spcBef>
-                <a:spcPts val="0"/>
-              </a:spcBef>
-              <a:spcAft>
-                <a:spcPts val="0"/>
-              </a:spcAft>
-            </a:defPPr>
-            <a:lvl1pPr marL="457200" marR="0" lvl="0" indent="-311150" algn="l" rtl="0">
-              <a:lnSpc>
-                <a:spcPct val="115000"/>
-              </a:lnSpc>
-              <a:spcBef>
-                <a:spcPts val="0"/>
-              </a:spcBef>
-              <a:spcAft>
-                <a:spcPts val="0"/>
-              </a:spcAft>
-              <a:buClr>
-                <a:schemeClr val="dk2"/>
-              </a:buClr>
-              <a:buSzPts val="1300"/>
-              <a:buFont typeface="Roboto"/>
-              <a:buChar char="●"/>
-              <a:defRPr sz="1300" b="0" i="0" u="none" strike="noStrike" cap="none">
-                <a:solidFill>
-                  <a:schemeClr val="dk2"/>
-                </a:solidFill>
-                <a:latin typeface="Roboto"/>
-                <a:ea typeface="Roboto"/>
-                <a:cs typeface="Roboto"/>
-                <a:sym typeface="Roboto"/>
-              </a:defRPr>
-            </a:lvl1pPr>
-            <a:lvl2pPr marL="914400" marR="0" lvl="1" indent="-298450" algn="l" rtl="0">
-              <a:lnSpc>
-                <a:spcPct val="115000"/>
-              </a:lnSpc>
-              <a:spcBef>
-                <a:spcPts val="1600"/>
-              </a:spcBef>
-              <a:spcAft>
-                <a:spcPts val="0"/>
-              </a:spcAft>
-              <a:buClr>
-                <a:schemeClr val="dk2"/>
-              </a:buClr>
-              <a:buSzPts val="1100"/>
-              <a:buFont typeface="Roboto"/>
-              <a:buChar char="○"/>
-              <a:defRPr sz="1100" b="0" i="0" u="none" strike="noStrike" cap="none">
-                <a:solidFill>
-                  <a:schemeClr val="dk2"/>
-                </a:solidFill>
-                <a:latin typeface="Roboto"/>
-                <a:ea typeface="Roboto"/>
-                <a:cs typeface="Roboto"/>
-                <a:sym typeface="Roboto"/>
-              </a:defRPr>
-            </a:lvl2pPr>
-            <a:lvl3pPr marL="1371600" marR="0" lvl="2" indent="-298450" algn="l" rtl="0">
-              <a:lnSpc>
-                <a:spcPct val="115000"/>
-              </a:lnSpc>
-              <a:spcBef>
-                <a:spcPts val="1600"/>
-              </a:spcBef>
-              <a:spcAft>
-                <a:spcPts val="0"/>
-              </a:spcAft>
-              <a:buClr>
-                <a:schemeClr val="dk2"/>
-              </a:buClr>
-              <a:buSzPts val="1100"/>
-              <a:buFont typeface="Roboto"/>
-              <a:buChar char="■"/>
-              <a:defRPr sz="1100" b="0" i="0" u="none" strike="noStrike" cap="none">
-                <a:solidFill>
-                  <a:schemeClr val="dk2"/>
-                </a:solidFill>
-                <a:latin typeface="Roboto"/>
-                <a:ea typeface="Roboto"/>
-                <a:cs typeface="Roboto"/>
-                <a:sym typeface="Roboto"/>
-              </a:defRPr>
-            </a:lvl3pPr>
-            <a:lvl4pPr marL="1828800" marR="0" lvl="3" indent="-298450" algn="l" rtl="0">
-              <a:lnSpc>
-                <a:spcPct val="115000"/>
-              </a:lnSpc>
-              <a:spcBef>
-                <a:spcPts val="1600"/>
-              </a:spcBef>
-              <a:spcAft>
-                <a:spcPts val="0"/>
-              </a:spcAft>
-              <a:buClr>
-                <a:schemeClr val="dk2"/>
-              </a:buClr>
-              <a:buSzPts val="1100"/>
-              <a:buFont typeface="Roboto"/>
-              <a:buChar char="●"/>
-              <a:defRPr sz="1100" b="0" i="0" u="none" strike="noStrike" cap="none">
-                <a:solidFill>
-                  <a:schemeClr val="dk2"/>
-                </a:solidFill>
-                <a:latin typeface="Roboto"/>
-                <a:ea typeface="Roboto"/>
-                <a:cs typeface="Roboto"/>
-                <a:sym typeface="Roboto"/>
-              </a:defRPr>
-            </a:lvl4pPr>
-            <a:lvl5pPr marL="2286000" marR="0" lvl="4" indent="-298450" algn="l" rtl="0">
-              <a:lnSpc>
-                <a:spcPct val="115000"/>
-              </a:lnSpc>
-              <a:spcBef>
-                <a:spcPts val="1600"/>
-              </a:spcBef>
-              <a:spcAft>
-                <a:spcPts val="0"/>
-              </a:spcAft>
-              <a:buClr>
-                <a:schemeClr val="dk2"/>
-              </a:buClr>
-              <a:buSzPts val="1100"/>
-              <a:buFont typeface="Roboto"/>
-              <a:buChar char="○"/>
-              <a:defRPr sz="1100" b="0" i="0" u="none" strike="noStrike" cap="none">
-                <a:solidFill>
-                  <a:schemeClr val="dk2"/>
-                </a:solidFill>
-                <a:latin typeface="Roboto"/>
-                <a:ea typeface="Roboto"/>
-                <a:cs typeface="Roboto"/>
-                <a:sym typeface="Roboto"/>
-              </a:defRPr>
-            </a:lvl5pPr>
-            <a:lvl6pPr marL="2743200" marR="0" lvl="5" indent="-298450" algn="l" rtl="0">
-              <a:lnSpc>
-                <a:spcPct val="115000"/>
-              </a:lnSpc>
-              <a:spcBef>
-                <a:spcPts val="1600"/>
-              </a:spcBef>
-              <a:spcAft>
-                <a:spcPts val="0"/>
-              </a:spcAft>
-              <a:buClr>
-                <a:schemeClr val="dk2"/>
-              </a:buClr>
-              <a:buSzPts val="1100"/>
-              <a:buFont typeface="Roboto"/>
-              <a:buChar char="■"/>
-              <a:defRPr sz="1100" b="0" i="0" u="none" strike="noStrike" cap="none">
-                <a:solidFill>
-                  <a:schemeClr val="dk2"/>
-                </a:solidFill>
-                <a:latin typeface="Roboto"/>
-                <a:ea typeface="Roboto"/>
-                <a:cs typeface="Roboto"/>
-                <a:sym typeface="Roboto"/>
-              </a:defRPr>
-            </a:lvl6pPr>
-            <a:lvl7pPr marL="3200400" marR="0" lvl="6" indent="-298450" algn="l" rtl="0">
-              <a:lnSpc>
-                <a:spcPct val="115000"/>
-              </a:lnSpc>
-              <a:spcBef>
-                <a:spcPts val="1600"/>
-              </a:spcBef>
-              <a:spcAft>
-                <a:spcPts val="0"/>
-              </a:spcAft>
-              <a:buClr>
-                <a:schemeClr val="dk2"/>
-              </a:buClr>
-              <a:buSzPts val="1100"/>
-              <a:buFont typeface="Roboto"/>
-              <a:buChar char="●"/>
-              <a:defRPr sz="1100" b="0" i="0" u="none" strike="noStrike" cap="none">
-                <a:solidFill>
-                  <a:schemeClr val="dk2"/>
-                </a:solidFill>
-                <a:latin typeface="Roboto"/>
-                <a:ea typeface="Roboto"/>
-                <a:cs typeface="Roboto"/>
-                <a:sym typeface="Roboto"/>
-              </a:defRPr>
-            </a:lvl7pPr>
-            <a:lvl8pPr marL="3657600" marR="0" lvl="7" indent="-298450" algn="l" rtl="0">
-              <a:lnSpc>
-                <a:spcPct val="115000"/>
-              </a:lnSpc>
-              <a:spcBef>
-                <a:spcPts val="1600"/>
-              </a:spcBef>
-              <a:spcAft>
-                <a:spcPts val="0"/>
-              </a:spcAft>
-              <a:buClr>
-                <a:schemeClr val="dk2"/>
-              </a:buClr>
-              <a:buSzPts val="1100"/>
-              <a:buFont typeface="Roboto"/>
-              <a:buChar char="○"/>
-              <a:defRPr sz="1100" b="0" i="0" u="none" strike="noStrike" cap="none">
-                <a:solidFill>
-                  <a:schemeClr val="dk2"/>
-                </a:solidFill>
-                <a:latin typeface="Roboto"/>
-                <a:ea typeface="Roboto"/>
-                <a:cs typeface="Roboto"/>
-                <a:sym typeface="Roboto"/>
-              </a:defRPr>
-            </a:lvl8pPr>
-            <a:lvl9pPr marL="4114800" marR="0" lvl="8" indent="-298450" algn="l" rtl="0">
-              <a:lnSpc>
-                <a:spcPct val="115000"/>
-              </a:lnSpc>
-              <a:spcBef>
-                <a:spcPts val="1600"/>
-              </a:spcBef>
-              <a:spcAft>
-                <a:spcPts val="1600"/>
-              </a:spcAft>
-              <a:buClr>
-                <a:schemeClr val="dk2"/>
-              </a:buClr>
-              <a:buSzPts val="1100"/>
-              <a:buFont typeface="Roboto"/>
-              <a:buChar char="■"/>
-              <a:defRPr sz="1100" b="0" i="0" u="none" strike="noStrike" cap="none">
-                <a:solidFill>
-                  <a:schemeClr val="dk2"/>
-                </a:solidFill>
-                <a:latin typeface="Roboto"/>
-                <a:ea typeface="Roboto"/>
-                <a:cs typeface="Roboto"/>
-                <a:sym typeface="Roboto"/>
-              </a:defRPr>
-            </a:lvl9pPr>
-          </a:lstStyle>
-          <a:p>
-            <a:pPr marL="0" indent="0">
-              <a:spcAft>
-                <a:spcPts val="1600"/>
-              </a:spcAft>
-              <a:buNone/>
-            </a:pPr>
-            <a:r>
-              <a:rPr lang="en-US" sz="2800" dirty="0"/>
-              <a:t>After completing the Quiz </a:t>
-            </a:r>
-          </a:p>
-          <a:p>
-            <a:pPr marL="342900" indent="-342900">
-              <a:spcAft>
-                <a:spcPts val="1600"/>
-              </a:spcAft>
-            </a:pPr>
-            <a:r>
-              <a:rPr lang="en-US" sz="2400" dirty="0"/>
-              <a:t>Clone/Pull Unit12 – git hub classroom repo for class activities</a:t>
-            </a:r>
-            <a:endParaRPr lang="en-US" sz="2400" dirty="0">
-              <a:solidFill>
-                <a:schemeClr val="tx1"/>
-              </a:solidFill>
-            </a:endParaRPr>
-          </a:p>
-        </p:txBody>
-      </p:sp>
-    </p:spTree>
   </p:cSld>
   <p:clrMapOvr>
     <a:masterClrMapping/>
